--- a/docs/capstone.pptx
+++ b/docs/capstone.pptx
@@ -150,6 +150,35 @@
     </p:ext>
   </p:extLst>
 </p:presentation>
+</file>
+
+<file path=ppt/changesInfos/changesInfo1.xml><?xml version="1.0" encoding="utf-8"?>
+<pc:chgInfo xmlns:a="http://schemas.openxmlformats.org/drawingml/2006/main" xmlns:r="http://schemas.openxmlformats.org/officeDocument/2006/relationships" xmlns:ac="http://schemas.microsoft.com/office/drawing/2013/main/command" xmlns:pc="http://schemas.microsoft.com/office/powerpoint/2013/main/command">
+  <pc:docChgLst>
+    <pc:chgData name="Sribhanu Gundu" userId="9107a230314017ab" providerId="LiveId" clId="{D0A5E4E1-9398-4371-A9DF-13979E7EDA91}"/>
+    <pc:docChg chg="modSld">
+      <pc:chgData name="Sribhanu Gundu" userId="9107a230314017ab" providerId="LiveId" clId="{D0A5E4E1-9398-4371-A9DF-13979E7EDA91}" dt="2023-05-05T22:58:08.581" v="17" actId="20577"/>
+      <pc:docMkLst>
+        <pc:docMk/>
+      </pc:docMkLst>
+      <pc:sldChg chg="modSp mod">
+        <pc:chgData name="Sribhanu Gundu" userId="9107a230314017ab" providerId="LiveId" clId="{D0A5E4E1-9398-4371-A9DF-13979E7EDA91}" dt="2023-05-05T22:58:08.581" v="17" actId="20577"/>
+        <pc:sldMkLst>
+          <pc:docMk/>
+          <pc:sldMk cId="1723575178" sldId="281"/>
+        </pc:sldMkLst>
+        <pc:spChg chg="mod">
+          <ac:chgData name="Sribhanu Gundu" userId="9107a230314017ab" providerId="LiveId" clId="{D0A5E4E1-9398-4371-A9DF-13979E7EDA91}" dt="2023-05-05T22:58:08.581" v="17" actId="20577"/>
+          <ac:spMkLst>
+            <pc:docMk/>
+            <pc:sldMk cId="1723575178" sldId="281"/>
+            <ac:spMk id="2" creationId="{00000000-0000-0000-0000-000000000000}"/>
+          </ac:spMkLst>
+        </pc:spChg>
+      </pc:sldChg>
+    </pc:docChg>
+  </pc:docChgLst>
+</pc:chgInfo>
 </file>
 
 <file path=ppt/diagrams/colors1.xml><?xml version="1.0" encoding="utf-8"?>
@@ -7437,7 +7466,7 @@
           <a:p>
             <a:r>
               <a:rPr lang="en-US" dirty="0"/>
-              <a:t>Machine Learning Modeling</a:t>
+              <a:t>Data Visualization</a:t>
             </a:r>
           </a:p>
         </p:txBody>

--- a/docs/capstone.pptx
+++ b/docs/capstone.pptx
@@ -156,8 +156,8 @@
 <pc:chgInfo xmlns:a="http://schemas.openxmlformats.org/drawingml/2006/main" xmlns:r="http://schemas.openxmlformats.org/officeDocument/2006/relationships" xmlns:ac="http://schemas.microsoft.com/office/drawing/2013/main/command" xmlns:pc="http://schemas.microsoft.com/office/powerpoint/2013/main/command">
   <pc:docChgLst>
     <pc:chgData name="Sribhanu Gundu" userId="9107a230314017ab" providerId="LiveId" clId="{D0A5E4E1-9398-4371-A9DF-13979E7EDA91}"/>
-    <pc:docChg chg="modSld">
-      <pc:chgData name="Sribhanu Gundu" userId="9107a230314017ab" providerId="LiveId" clId="{D0A5E4E1-9398-4371-A9DF-13979E7EDA91}" dt="2023-05-05T22:58:08.581" v="17" actId="20577"/>
+    <pc:docChg chg="custSel modSld">
+      <pc:chgData name="Sribhanu Gundu" userId="9107a230314017ab" providerId="LiveId" clId="{D0A5E4E1-9398-4371-A9DF-13979E7EDA91}" dt="2023-05-06T19:51:53.578" v="27" actId="14100"/>
       <pc:docMkLst>
         <pc:docMk/>
       </pc:docMkLst>
@@ -175,6 +175,68 @@
             <ac:spMk id="2" creationId="{00000000-0000-0000-0000-000000000000}"/>
           </ac:spMkLst>
         </pc:spChg>
+      </pc:sldChg>
+      <pc:sldChg chg="addSp delSp modSp mod">
+        <pc:chgData name="Sribhanu Gundu" userId="9107a230314017ab" providerId="LiveId" clId="{D0A5E4E1-9398-4371-A9DF-13979E7EDA91}" dt="2023-05-06T19:51:13.247" v="22" actId="14100"/>
+        <pc:sldMkLst>
+          <pc:docMk/>
+          <pc:sldMk cId="4124604398" sldId="286"/>
+        </pc:sldMkLst>
+        <pc:spChg chg="add mod">
+          <ac:chgData name="Sribhanu Gundu" userId="9107a230314017ab" providerId="LiveId" clId="{D0A5E4E1-9398-4371-A9DF-13979E7EDA91}" dt="2023-05-06T19:51:00.719" v="18" actId="478"/>
+          <ac:spMkLst>
+            <pc:docMk/>
+            <pc:sldMk cId="4124604398" sldId="286"/>
+            <ac:spMk id="5" creationId="{F2715957-2691-894F-C70D-19A4BC466CA5}"/>
+          </ac:spMkLst>
+        </pc:spChg>
+        <pc:picChg chg="del">
+          <ac:chgData name="Sribhanu Gundu" userId="9107a230314017ab" providerId="LiveId" clId="{D0A5E4E1-9398-4371-A9DF-13979E7EDA91}" dt="2023-05-06T19:51:00.719" v="18" actId="478"/>
+          <ac:picMkLst>
+            <pc:docMk/>
+            <pc:sldMk cId="4124604398" sldId="286"/>
+            <ac:picMk id="7" creationId="{5012808C-B4DB-F0FB-BC0B-614EA1D39A1A}"/>
+          </ac:picMkLst>
+        </pc:picChg>
+        <pc:picChg chg="add mod">
+          <ac:chgData name="Sribhanu Gundu" userId="9107a230314017ab" providerId="LiveId" clId="{D0A5E4E1-9398-4371-A9DF-13979E7EDA91}" dt="2023-05-06T19:51:13.247" v="22" actId="14100"/>
+          <ac:picMkLst>
+            <pc:docMk/>
+            <pc:sldMk cId="4124604398" sldId="286"/>
+            <ac:picMk id="1026" creationId="{B40E246A-F419-8E74-A501-A3C5CA05F408}"/>
+          </ac:picMkLst>
+        </pc:picChg>
+      </pc:sldChg>
+      <pc:sldChg chg="addSp delSp modSp mod">
+        <pc:chgData name="Sribhanu Gundu" userId="9107a230314017ab" providerId="LiveId" clId="{D0A5E4E1-9398-4371-A9DF-13979E7EDA91}" dt="2023-05-06T19:51:53.578" v="27" actId="14100"/>
+        <pc:sldMkLst>
+          <pc:docMk/>
+          <pc:sldMk cId="3275022054" sldId="287"/>
+        </pc:sldMkLst>
+        <pc:spChg chg="add mod">
+          <ac:chgData name="Sribhanu Gundu" userId="9107a230314017ab" providerId="LiveId" clId="{D0A5E4E1-9398-4371-A9DF-13979E7EDA91}" dt="2023-05-06T19:51:42.878" v="23" actId="478"/>
+          <ac:spMkLst>
+            <pc:docMk/>
+            <pc:sldMk cId="3275022054" sldId="287"/>
+            <ac:spMk id="5" creationId="{C9BA95DF-C07D-222B-1657-C421CD910AE6}"/>
+          </ac:spMkLst>
+        </pc:spChg>
+        <pc:picChg chg="del">
+          <ac:chgData name="Sribhanu Gundu" userId="9107a230314017ab" providerId="LiveId" clId="{D0A5E4E1-9398-4371-A9DF-13979E7EDA91}" dt="2023-05-06T19:51:42.878" v="23" actId="478"/>
+          <ac:picMkLst>
+            <pc:docMk/>
+            <pc:sldMk cId="3275022054" sldId="287"/>
+            <ac:picMk id="8" creationId="{2FE5F089-09C5-9E74-253F-BF9A81CE88EF}"/>
+          </ac:picMkLst>
+        </pc:picChg>
+        <pc:picChg chg="add mod">
+          <ac:chgData name="Sribhanu Gundu" userId="9107a230314017ab" providerId="LiveId" clId="{D0A5E4E1-9398-4371-A9DF-13979E7EDA91}" dt="2023-05-06T19:51:53.578" v="27" actId="14100"/>
+          <ac:picMkLst>
+            <pc:docMk/>
+            <pc:sldMk cId="3275022054" sldId="287"/>
+            <ac:picMk id="2050" creationId="{368FDAD9-A43D-69A9-60AF-C1147733115F}"/>
+          </ac:picMkLst>
+        </pc:picChg>
       </pc:sldChg>
     </pc:docChg>
   </pc:docChgLst>
@@ -3284,7 +3346,7 @@
           <a:p>
             <a:fld id="{043B725B-653D-4166-A8E9-72A38A1847CF}" type="datetimeFigureOut">
               <a:rPr lang="en-US"/>
-              <a:t>5/5/2023</a:t>
+              <a:t>5/6/2023</a:t>
             </a:fld>
             <a:endParaRPr/>
           </a:p>
@@ -3449,7 +3511,7 @@
           <a:p>
             <a:fld id="{783F64CD-0576-4A9A-BD06-7889D6E60BDC}" type="datetimeFigureOut">
               <a:rPr lang="en-US"/>
-              <a:t>5/5/2023</a:t>
+              <a:t>5/6/2023</a:t>
             </a:fld>
             <a:endParaRPr/>
           </a:p>
@@ -4047,7 +4109,7 @@
           <a:p>
             <a:fld id="{37CC0096-1860-4642-9CD2-0079EA5E7CD1}" type="datetimeFigureOut">
               <a:rPr lang="en-US"/>
-              <a:t>5/5/2023</a:t>
+              <a:t>5/6/2023</a:t>
             </a:fld>
             <a:endParaRPr/>
           </a:p>
@@ -4296,7 +4358,7 @@
           <a:p>
             <a:fld id="{37CC0096-1860-4642-9CD2-0079EA5E7CD1}" type="datetimeFigureOut">
               <a:rPr lang="en-US"/>
-              <a:t>5/5/2023</a:t>
+              <a:t>5/6/2023</a:t>
             </a:fld>
             <a:endParaRPr/>
           </a:p>
@@ -4482,7 +4544,7 @@
           <a:p>
             <a:fld id="{37CC0096-1860-4642-9CD2-0079EA5E7CD1}" type="datetimeFigureOut">
               <a:rPr lang="en-US"/>
-              <a:t>5/5/2023</a:t>
+              <a:t>5/6/2023</a:t>
             </a:fld>
             <a:endParaRPr/>
           </a:p>
@@ -5013,7 +5075,7 @@
           <a:p>
             <a:fld id="{37CC0096-1860-4642-9CD2-0079EA5E7CD1}" type="datetimeFigureOut">
               <a:rPr lang="en-US"/>
-              <a:t>5/5/2023</a:t>
+              <a:t>5/6/2023</a:t>
             </a:fld>
             <a:endParaRPr/>
           </a:p>
@@ -5465,7 +5527,7 @@
           <a:p>
             <a:fld id="{37CC0096-1860-4642-9CD2-0079EA5E7CD1}" type="datetimeFigureOut">
               <a:rPr lang="en-US"/>
-              <a:t>5/5/2023</a:t>
+              <a:t>5/6/2023</a:t>
             </a:fld>
             <a:endParaRPr/>
           </a:p>
@@ -5595,7 +5657,7 @@
           <a:p>
             <a:fld id="{37CC0096-1860-4642-9CD2-0079EA5E7CD1}" type="datetimeFigureOut">
               <a:rPr lang="en-US"/>
-              <a:t>5/5/2023</a:t>
+              <a:t>5/6/2023</a:t>
             </a:fld>
             <a:endParaRPr/>
           </a:p>
@@ -5702,7 +5764,7 @@
           <a:p>
             <a:fld id="{37CC0096-1860-4642-9CD2-0079EA5E7CD1}" type="datetimeFigureOut">
               <a:rPr lang="en-US"/>
-              <a:t>5/5/2023</a:t>
+              <a:t>5/6/2023</a:t>
             </a:fld>
             <a:endParaRPr/>
           </a:p>
@@ -6691,7 +6753,7 @@
             <a:fld id="{37CC0096-1860-4642-9CD2-0079EA5E7CD1}" type="datetimeFigureOut">
               <a:rPr lang="en-US" smtClean="0"/>
               <a:pPr/>
-              <a:t>5/5/2023</a:t>
+              <a:t>5/6/2023</a:t>
             </a:fld>
             <a:endParaRPr lang="en-US" dirty="0"/>
           </a:p>
@@ -8621,21 +8683,44 @@
           </a:p>
         </p:txBody>
       </p:sp>
+      <p:sp>
+        <p:nvSpPr>
+          <p:cNvPr id="5" name="Content Placeholder 4">
+            <a:extLst>
+              <a:ext uri="{FF2B5EF4-FFF2-40B4-BE49-F238E27FC236}">
+                <a16:creationId xmlns:a16="http://schemas.microsoft.com/office/drawing/2014/main" id="{F2715957-2691-894F-C70D-19A4BC466CA5}"/>
+              </a:ext>
+            </a:extLst>
+          </p:cNvPr>
+          <p:cNvSpPr>
+            <a:spLocks noGrp="1"/>
+          </p:cNvSpPr>
+          <p:nvPr>
+            <p:ph idx="1"/>
+          </p:nvPr>
+        </p:nvSpPr>
+        <p:spPr/>
+        <p:txBody>
+          <a:bodyPr/>
+          <a:lstStyle/>
+          <a:p>
+            <a:endParaRPr lang="en-IN"/>
+          </a:p>
+        </p:txBody>
+      </p:sp>
       <p:pic>
         <p:nvPicPr>
-          <p:cNvPr id="7" name="Content Placeholder 6">
+          <p:cNvPr id="1026" name="Picture 2">
             <a:extLst>
               <a:ext uri="{FF2B5EF4-FFF2-40B4-BE49-F238E27FC236}">
-                <a16:creationId xmlns:a16="http://schemas.microsoft.com/office/drawing/2014/main" id="{5012808C-B4DB-F0FB-BC0B-614EA1D39A1A}"/>
+                <a16:creationId xmlns:a16="http://schemas.microsoft.com/office/drawing/2014/main" id="{B40E246A-F419-8E74-A501-A3C5CA05F408}"/>
               </a:ext>
             </a:extLst>
           </p:cNvPr>
           <p:cNvPicPr>
-            <a:picLocks noGrp="1" noChangeAspect="1"/>
+            <a:picLocks noChangeAspect="1" noChangeArrowheads="1"/>
           </p:cNvPicPr>
-          <p:nvPr>
-            <p:ph idx="1"/>
-          </p:nvPr>
+          <p:nvPr/>
         </p:nvPicPr>
         <p:blipFill>
           <a:blip r:embed="rId2">
@@ -8645,18 +8730,29 @@
               </a:ext>
             </a:extLst>
           </a:blip>
+          <a:srcRect/>
           <a:stretch>
             <a:fillRect/>
           </a:stretch>
         </p:blipFill>
-        <p:spPr>
+        <p:spPr bwMode="auto">
           <a:xfrm>
-            <a:off x="0" y="0"/>
-            <a:ext cx="7032104" cy="6885384"/>
+            <a:off x="1" y="0"/>
+            <a:ext cx="6888088" cy="6858000"/>
           </a:xfrm>
           <a:prstGeom prst="rect">
             <a:avLst/>
           </a:prstGeom>
+          <a:noFill/>
+          <a:extLst>
+            <a:ext uri="{909E8E84-426E-40DD-AFC4-6F175D3DCCD1}">
+              <a14:hiddenFill xmlns:a14="http://schemas.microsoft.com/office/drawing/2010/main">
+                <a:solidFill>
+                  <a:srgbClr val="FFFFFF"/>
+                </a:solidFill>
+              </a14:hiddenFill>
+            </a:ext>
+          </a:extLst>
         </p:spPr>
       </p:pic>
     </p:spTree>
@@ -8745,21 +8841,44 @@
           </a:p>
         </p:txBody>
       </p:sp>
+      <p:sp>
+        <p:nvSpPr>
+          <p:cNvPr id="5" name="Content Placeholder 4">
+            <a:extLst>
+              <a:ext uri="{FF2B5EF4-FFF2-40B4-BE49-F238E27FC236}">
+                <a16:creationId xmlns:a16="http://schemas.microsoft.com/office/drawing/2014/main" id="{C9BA95DF-C07D-222B-1657-C421CD910AE6}"/>
+              </a:ext>
+            </a:extLst>
+          </p:cNvPr>
+          <p:cNvSpPr>
+            <a:spLocks noGrp="1"/>
+          </p:cNvSpPr>
+          <p:nvPr>
+            <p:ph idx="1"/>
+          </p:nvPr>
+        </p:nvSpPr>
+        <p:spPr/>
+        <p:txBody>
+          <a:bodyPr/>
+          <a:lstStyle/>
+          <a:p>
+            <a:endParaRPr lang="en-IN"/>
+          </a:p>
+        </p:txBody>
+      </p:sp>
       <p:pic>
         <p:nvPicPr>
-          <p:cNvPr id="8" name="Content Placeholder 7">
+          <p:cNvPr id="2050" name="Picture 2">
             <a:extLst>
               <a:ext uri="{FF2B5EF4-FFF2-40B4-BE49-F238E27FC236}">
-                <a16:creationId xmlns:a16="http://schemas.microsoft.com/office/drawing/2014/main" id="{2FE5F089-09C5-9E74-253F-BF9A81CE88EF}"/>
+                <a16:creationId xmlns:a16="http://schemas.microsoft.com/office/drawing/2014/main" id="{368FDAD9-A43D-69A9-60AF-C1147733115F}"/>
               </a:ext>
             </a:extLst>
           </p:cNvPr>
           <p:cNvPicPr>
-            <a:picLocks noGrp="1" noChangeAspect="1"/>
+            <a:picLocks noChangeAspect="1" noChangeArrowheads="1"/>
           </p:cNvPicPr>
-          <p:nvPr>
-            <p:ph idx="1"/>
-          </p:nvPr>
+          <p:nvPr/>
         </p:nvPicPr>
         <p:blipFill>
           <a:blip r:embed="rId2">
@@ -8769,15 +8888,29 @@
               </a:ext>
             </a:extLst>
           </a:blip>
+          <a:srcRect/>
           <a:stretch>
             <a:fillRect/>
           </a:stretch>
         </p:blipFill>
-        <p:spPr>
+        <p:spPr bwMode="auto">
           <a:xfrm>
-            <a:off x="0" y="0"/>
-            <a:ext cx="7032104" cy="6858000"/>
+            <a:off x="0" y="17766"/>
+            <a:ext cx="7032104" cy="6840234"/>
           </a:xfrm>
+          <a:prstGeom prst="rect">
+            <a:avLst/>
+          </a:prstGeom>
+          <a:noFill/>
+          <a:extLst>
+            <a:ext uri="{909E8E84-426E-40DD-AFC4-6F175D3DCCD1}">
+              <a14:hiddenFill xmlns:a14="http://schemas.microsoft.com/office/drawing/2010/main">
+                <a:solidFill>
+                  <a:srgbClr val="FFFFFF"/>
+                </a:solidFill>
+              </a14:hiddenFill>
+            </a:ext>
+          </a:extLst>
         </p:spPr>
       </p:pic>
     </p:spTree>

--- a/docs/capstone.pptx
+++ b/docs/capstone.pptx
@@ -157,10 +157,55 @@
   <pc:docChgLst>
     <pc:chgData name="Sribhanu Gundu" userId="9107a230314017ab" providerId="LiveId" clId="{D0A5E4E1-9398-4371-A9DF-13979E7EDA91}"/>
     <pc:docChg chg="custSel modSld">
-      <pc:chgData name="Sribhanu Gundu" userId="9107a230314017ab" providerId="LiveId" clId="{D0A5E4E1-9398-4371-A9DF-13979E7EDA91}" dt="2023-05-06T19:51:53.578" v="27" actId="14100"/>
+      <pc:chgData name="Sribhanu Gundu" userId="9107a230314017ab" providerId="LiveId" clId="{D0A5E4E1-9398-4371-A9DF-13979E7EDA91}" dt="2023-05-14T11:23:03.450" v="108" actId="20577"/>
       <pc:docMkLst>
         <pc:docMk/>
       </pc:docMkLst>
+      <pc:sldChg chg="modSp mod">
+        <pc:chgData name="Sribhanu Gundu" userId="9107a230314017ab" providerId="LiveId" clId="{D0A5E4E1-9398-4371-A9DF-13979E7EDA91}" dt="2023-05-14T11:23:03.450" v="108" actId="20577"/>
+        <pc:sldMkLst>
+          <pc:docMk/>
+          <pc:sldMk cId="2499786604" sldId="275"/>
+        </pc:sldMkLst>
+        <pc:graphicFrameChg chg="modGraphic">
+          <ac:chgData name="Sribhanu Gundu" userId="9107a230314017ab" providerId="LiveId" clId="{D0A5E4E1-9398-4371-A9DF-13979E7EDA91}" dt="2023-05-14T11:23:03.450" v="108" actId="20577"/>
+          <ac:graphicFrameMkLst>
+            <pc:docMk/>
+            <pc:sldMk cId="2499786604" sldId="275"/>
+            <ac:graphicFrameMk id="5" creationId="{00000000-0000-0000-0000-000000000000}"/>
+          </ac:graphicFrameMkLst>
+        </pc:graphicFrameChg>
+      </pc:sldChg>
+      <pc:sldChg chg="modSp mod">
+        <pc:chgData name="Sribhanu Gundu" userId="9107a230314017ab" providerId="LiveId" clId="{D0A5E4E1-9398-4371-A9DF-13979E7EDA91}" dt="2023-05-08T19:31:21.739" v="31" actId="20577"/>
+        <pc:sldMkLst>
+          <pc:docMk/>
+          <pc:sldMk cId="1470476582" sldId="277"/>
+        </pc:sldMkLst>
+        <pc:spChg chg="mod">
+          <ac:chgData name="Sribhanu Gundu" userId="9107a230314017ab" providerId="LiveId" clId="{D0A5E4E1-9398-4371-A9DF-13979E7EDA91}" dt="2023-05-08T19:31:21.739" v="31" actId="20577"/>
+          <ac:spMkLst>
+            <pc:docMk/>
+            <pc:sldMk cId="1470476582" sldId="277"/>
+            <ac:spMk id="3" creationId="{00000000-0000-0000-0000-000000000000}"/>
+          </ac:spMkLst>
+        </pc:spChg>
+      </pc:sldChg>
+      <pc:sldChg chg="modSp mod">
+        <pc:chgData name="Sribhanu Gundu" userId="9107a230314017ab" providerId="LiveId" clId="{D0A5E4E1-9398-4371-A9DF-13979E7EDA91}" dt="2023-05-09T20:26:41.230" v="44" actId="20577"/>
+        <pc:sldMkLst>
+          <pc:docMk/>
+          <pc:sldMk cId="4192095413" sldId="278"/>
+        </pc:sldMkLst>
+        <pc:spChg chg="mod">
+          <ac:chgData name="Sribhanu Gundu" userId="9107a230314017ab" providerId="LiveId" clId="{D0A5E4E1-9398-4371-A9DF-13979E7EDA91}" dt="2023-05-09T20:26:41.230" v="44" actId="20577"/>
+          <ac:spMkLst>
+            <pc:docMk/>
+            <pc:sldMk cId="4192095413" sldId="278"/>
+            <ac:spMk id="3" creationId="{00000000-0000-0000-0000-000000000000}"/>
+          </ac:spMkLst>
+        </pc:spChg>
+      </pc:sldChg>
       <pc:sldChg chg="modSp mod">
         <pc:chgData name="Sribhanu Gundu" userId="9107a230314017ab" providerId="LiveId" clId="{D0A5E4E1-9398-4371-A9DF-13979E7EDA91}" dt="2023-05-05T22:58:08.581" v="17" actId="20577"/>
         <pc:sldMkLst>
@@ -177,19 +222,27 @@
         </pc:spChg>
       </pc:sldChg>
       <pc:sldChg chg="addSp delSp modSp mod">
-        <pc:chgData name="Sribhanu Gundu" userId="9107a230314017ab" providerId="LiveId" clId="{D0A5E4E1-9398-4371-A9DF-13979E7EDA91}" dt="2023-05-06T19:51:13.247" v="22" actId="14100"/>
+        <pc:chgData name="Sribhanu Gundu" userId="9107a230314017ab" providerId="LiveId" clId="{D0A5E4E1-9398-4371-A9DF-13979E7EDA91}" dt="2023-05-12T19:40:01.439" v="57" actId="14100"/>
         <pc:sldMkLst>
           <pc:docMk/>
           <pc:sldMk cId="4124604398" sldId="286"/>
         </pc:sldMkLst>
-        <pc:spChg chg="add mod">
-          <ac:chgData name="Sribhanu Gundu" userId="9107a230314017ab" providerId="LiveId" clId="{D0A5E4E1-9398-4371-A9DF-13979E7EDA91}" dt="2023-05-06T19:51:00.719" v="18" actId="478"/>
+        <pc:spChg chg="add del mod">
+          <ac:chgData name="Sribhanu Gundu" userId="9107a230314017ab" providerId="LiveId" clId="{D0A5E4E1-9398-4371-A9DF-13979E7EDA91}" dt="2023-05-12T19:39:51.057" v="54"/>
           <ac:spMkLst>
             <pc:docMk/>
             <pc:sldMk cId="4124604398" sldId="286"/>
             <ac:spMk id="5" creationId="{F2715957-2691-894F-C70D-19A4BC466CA5}"/>
           </ac:spMkLst>
         </pc:spChg>
+        <pc:picChg chg="add del mod">
+          <ac:chgData name="Sribhanu Gundu" userId="9107a230314017ab" providerId="LiveId" clId="{D0A5E4E1-9398-4371-A9DF-13979E7EDA91}" dt="2023-05-12T19:39:34.253" v="53" actId="478"/>
+          <ac:picMkLst>
+            <pc:docMk/>
+            <pc:sldMk cId="4124604398" sldId="286"/>
+            <ac:picMk id="3" creationId="{DAEAF0B8-78A6-E203-40FC-583B3B56F84A}"/>
+          </ac:picMkLst>
+        </pc:picChg>
         <pc:picChg chg="del">
           <ac:chgData name="Sribhanu Gundu" userId="9107a230314017ab" providerId="LiveId" clId="{D0A5E4E1-9398-4371-A9DF-13979E7EDA91}" dt="2023-05-06T19:51:00.719" v="18" actId="478"/>
           <ac:picMkLst>
@@ -198,17 +251,25 @@
             <ac:picMk id="7" creationId="{5012808C-B4DB-F0FB-BC0B-614EA1D39A1A}"/>
           </ac:picMkLst>
         </pc:picChg>
-        <pc:picChg chg="add mod">
-          <ac:chgData name="Sribhanu Gundu" userId="9107a230314017ab" providerId="LiveId" clId="{D0A5E4E1-9398-4371-A9DF-13979E7EDA91}" dt="2023-05-06T19:51:13.247" v="22" actId="14100"/>
+        <pc:picChg chg="add del mod">
+          <ac:chgData name="Sribhanu Gundu" userId="9107a230314017ab" providerId="LiveId" clId="{D0A5E4E1-9398-4371-A9DF-13979E7EDA91}" dt="2023-05-12T19:32:59.159" v="45" actId="478"/>
           <ac:picMkLst>
             <pc:docMk/>
             <pc:sldMk cId="4124604398" sldId="286"/>
             <ac:picMk id="1026" creationId="{B40E246A-F419-8E74-A501-A3C5CA05F408}"/>
           </ac:picMkLst>
         </pc:picChg>
+        <pc:picChg chg="add mod">
+          <ac:chgData name="Sribhanu Gundu" userId="9107a230314017ab" providerId="LiveId" clId="{D0A5E4E1-9398-4371-A9DF-13979E7EDA91}" dt="2023-05-12T19:40:01.439" v="57" actId="14100"/>
+          <ac:picMkLst>
+            <pc:docMk/>
+            <pc:sldMk cId="4124604398" sldId="286"/>
+            <ac:picMk id="1028" creationId="{1AD3E79F-AD5D-9102-14ED-0DACADB09626}"/>
+          </ac:picMkLst>
+        </pc:picChg>
       </pc:sldChg>
       <pc:sldChg chg="addSp delSp modSp mod">
-        <pc:chgData name="Sribhanu Gundu" userId="9107a230314017ab" providerId="LiveId" clId="{D0A5E4E1-9398-4371-A9DF-13979E7EDA91}" dt="2023-05-06T19:51:53.578" v="27" actId="14100"/>
+        <pc:chgData name="Sribhanu Gundu" userId="9107a230314017ab" providerId="LiveId" clId="{D0A5E4E1-9398-4371-A9DF-13979E7EDA91}" dt="2023-05-12T19:39:27.724" v="52" actId="14100"/>
         <pc:sldMkLst>
           <pc:docMk/>
           <pc:sldMk cId="3275022054" sldId="287"/>
@@ -221,6 +282,14 @@
             <ac:spMk id="5" creationId="{C9BA95DF-C07D-222B-1657-C421CD910AE6}"/>
           </ac:spMkLst>
         </pc:spChg>
+        <pc:picChg chg="add mod">
+          <ac:chgData name="Sribhanu Gundu" userId="9107a230314017ab" providerId="LiveId" clId="{D0A5E4E1-9398-4371-A9DF-13979E7EDA91}" dt="2023-05-12T19:39:27.724" v="52" actId="14100"/>
+          <ac:picMkLst>
+            <pc:docMk/>
+            <pc:sldMk cId="3275022054" sldId="287"/>
+            <ac:picMk id="3" creationId="{EAE15566-7BA9-5BEF-7969-05AC86E6DAA4}"/>
+          </ac:picMkLst>
+        </pc:picChg>
         <pc:picChg chg="del">
           <ac:chgData name="Sribhanu Gundu" userId="9107a230314017ab" providerId="LiveId" clId="{D0A5E4E1-9398-4371-A9DF-13979E7EDA91}" dt="2023-05-06T19:51:42.878" v="23" actId="478"/>
           <ac:picMkLst>
@@ -229,8 +298,8 @@
             <ac:picMk id="8" creationId="{2FE5F089-09C5-9E74-253F-BF9A81CE88EF}"/>
           </ac:picMkLst>
         </pc:picChg>
-        <pc:picChg chg="add mod">
-          <ac:chgData name="Sribhanu Gundu" userId="9107a230314017ab" providerId="LiveId" clId="{D0A5E4E1-9398-4371-A9DF-13979E7EDA91}" dt="2023-05-06T19:51:53.578" v="27" actId="14100"/>
+        <pc:picChg chg="add del mod">
+          <ac:chgData name="Sribhanu Gundu" userId="9107a230314017ab" providerId="LiveId" clId="{D0A5E4E1-9398-4371-A9DF-13979E7EDA91}" dt="2023-05-12T19:39:12.870" v="48" actId="478"/>
           <ac:picMkLst>
             <pc:docMk/>
             <pc:sldMk cId="3275022054" sldId="287"/>
@@ -3346,7 +3415,7 @@
           <a:p>
             <a:fld id="{043B725B-653D-4166-A8E9-72A38A1847CF}" type="datetimeFigureOut">
               <a:rPr lang="en-US"/>
-              <a:t>5/6/2023</a:t>
+              <a:t>5/14/2023</a:t>
             </a:fld>
             <a:endParaRPr/>
           </a:p>
@@ -3511,7 +3580,7 @@
           <a:p>
             <a:fld id="{783F64CD-0576-4A9A-BD06-7889D6E60BDC}" type="datetimeFigureOut">
               <a:rPr lang="en-US"/>
-              <a:t>5/6/2023</a:t>
+              <a:t>5/14/2023</a:t>
             </a:fld>
             <a:endParaRPr/>
           </a:p>
@@ -4109,7 +4178,7 @@
           <a:p>
             <a:fld id="{37CC0096-1860-4642-9CD2-0079EA5E7CD1}" type="datetimeFigureOut">
               <a:rPr lang="en-US"/>
-              <a:t>5/6/2023</a:t>
+              <a:t>5/14/2023</a:t>
             </a:fld>
             <a:endParaRPr/>
           </a:p>
@@ -4358,7 +4427,7 @@
           <a:p>
             <a:fld id="{37CC0096-1860-4642-9CD2-0079EA5E7CD1}" type="datetimeFigureOut">
               <a:rPr lang="en-US"/>
-              <a:t>5/6/2023</a:t>
+              <a:t>5/14/2023</a:t>
             </a:fld>
             <a:endParaRPr/>
           </a:p>
@@ -4544,7 +4613,7 @@
           <a:p>
             <a:fld id="{37CC0096-1860-4642-9CD2-0079EA5E7CD1}" type="datetimeFigureOut">
               <a:rPr lang="en-US"/>
-              <a:t>5/6/2023</a:t>
+              <a:t>5/14/2023</a:t>
             </a:fld>
             <a:endParaRPr/>
           </a:p>
@@ -5075,7 +5144,7 @@
           <a:p>
             <a:fld id="{37CC0096-1860-4642-9CD2-0079EA5E7CD1}" type="datetimeFigureOut">
               <a:rPr lang="en-US"/>
-              <a:t>5/6/2023</a:t>
+              <a:t>5/14/2023</a:t>
             </a:fld>
             <a:endParaRPr/>
           </a:p>
@@ -5527,7 +5596,7 @@
           <a:p>
             <a:fld id="{37CC0096-1860-4642-9CD2-0079EA5E7CD1}" type="datetimeFigureOut">
               <a:rPr lang="en-US"/>
-              <a:t>5/6/2023</a:t>
+              <a:t>5/14/2023</a:t>
             </a:fld>
             <a:endParaRPr/>
           </a:p>
@@ -5657,7 +5726,7 @@
           <a:p>
             <a:fld id="{37CC0096-1860-4642-9CD2-0079EA5E7CD1}" type="datetimeFigureOut">
               <a:rPr lang="en-US"/>
-              <a:t>5/6/2023</a:t>
+              <a:t>5/14/2023</a:t>
             </a:fld>
             <a:endParaRPr/>
           </a:p>
@@ -5764,7 +5833,7 @@
           <a:p>
             <a:fld id="{37CC0096-1860-4642-9CD2-0079EA5E7CD1}" type="datetimeFigureOut">
               <a:rPr lang="en-US"/>
-              <a:t>5/6/2023</a:t>
+              <a:t>5/14/2023</a:t>
             </a:fld>
             <a:endParaRPr/>
           </a:p>
@@ -6753,7 +6822,7 @@
             <a:fld id="{37CC0096-1860-4642-9CD2-0079EA5E7CD1}" type="datetimeFigureOut">
               <a:rPr lang="en-US" smtClean="0"/>
               <a:pPr/>
-              <a:t>5/6/2023</a:t>
+              <a:t>5/14/2023</a:t>
             </a:fld>
             <a:endParaRPr lang="en-US" dirty="0"/>
           </a:p>
@@ -7715,7 +7784,7 @@
                 </a:solidFill>
                 <a:latin typeface="Söhne"/>
               </a:rPr>
-              <a:t>Patients after 50 years are mor prone to heart diseases.</a:t>
+              <a:t>Patients after 50 years are more prone to heart diseases.</a:t>
             </a:r>
           </a:p>
           <a:p>
@@ -7760,7 +7829,21 @@
                 <a:effectLst/>
                 <a:latin typeface="-apple-system"/>
               </a:rPr>
-              <a:t>Asymptomatic Blood pressure and slope_of_st with Upsloping and ST_depression between 0 to 2 is in the category of patients facing the problems of heart diseases.</a:t>
+              <a:t>Asymptomatic Blood pressure and slope_of_st with </a:t>
+            </a:r>
+            <a:r>
+              <a:rPr lang="en-US" b="0" i="0" dirty="0" err="1">
+                <a:effectLst/>
+                <a:latin typeface="-apple-system"/>
+              </a:rPr>
+              <a:t>Downsloping</a:t>
+            </a:r>
+            <a:r>
+              <a:rPr lang="en-US" b="0" i="0" dirty="0">
+                <a:effectLst/>
+                <a:latin typeface="-apple-system"/>
+              </a:rPr>
+              <a:t>/Upsloping and ST_depression between 0 to 2 is in the category of patients facing the problems of heart diseases.</a:t>
             </a:r>
           </a:p>
         </p:txBody>
@@ -8109,7 +8192,7 @@
             <p:ph sz="half" idx="2"/>
             <p:extLst>
               <p:ext uri="{D42A27DB-BD31-4B8C-83A1-F6EECF244321}">
-                <p14:modId xmlns:p14="http://schemas.microsoft.com/office/powerpoint/2010/main" val="2437636111"/>
+                <p14:modId xmlns:p14="http://schemas.microsoft.com/office/powerpoint/2010/main" val="3124030200"/>
               </p:ext>
             </p:extLst>
           </p:nvPr>
@@ -8415,7 +8498,7 @@
                       <a:pPr algn="ctr"/>
                       <a:r>
                         <a:rPr lang="en-US" dirty="0"/>
-                        <a:t>91.67%</a:t>
+                        <a:t>92.22%</a:t>
                       </a:r>
                     </a:p>
                   </a:txBody>
@@ -8429,7 +8512,7 @@
                       <a:pPr algn="ctr"/>
                       <a:r>
                         <a:rPr lang="en-US" dirty="0"/>
-                        <a:t>92.56%</a:t>
+                        <a:t>93.02%</a:t>
                       </a:r>
                     </a:p>
                   </a:txBody>
@@ -8443,7 +8526,7 @@
                       <a:pPr algn="ctr"/>
                       <a:r>
                         <a:rPr lang="en-US" dirty="0"/>
-                        <a:t>91.22%</a:t>
+                        <a:t>91.74%</a:t>
                       </a:r>
                     </a:p>
                   </a:txBody>
@@ -8492,7 +8575,7 @@
                       <a:pPr algn="ctr"/>
                       <a:r>
                         <a:rPr lang="en-US" dirty="0"/>
-                        <a:t>89.44%</a:t>
+                        <a:t>88.89%</a:t>
                       </a:r>
                     </a:p>
                   </a:txBody>
@@ -8506,7 +8589,7 @@
                       <a:pPr algn="ctr"/>
                       <a:r>
                         <a:rPr lang="en-US" dirty="0"/>
-                        <a:t>90.47%</a:t>
+                        <a:t>90%</a:t>
                       </a:r>
                     </a:p>
                   </a:txBody>
@@ -8520,7 +8603,7 @@
                       <a:pPr algn="ctr"/>
                       <a:r>
                         <a:rPr lang="en-US" dirty="0"/>
-                        <a:t>89.10%</a:t>
+                        <a:t>88.62%</a:t>
                       </a:r>
                     </a:p>
                   </a:txBody>
@@ -8534,7 +8617,7 @@
                       <a:pPr algn="ctr"/>
                       <a:r>
                         <a:rPr lang="en-US" dirty="0"/>
-                        <a:t>89.64%</a:t>
+                        <a:t>89.68%</a:t>
                       </a:r>
                     </a:p>
                   </a:txBody>
@@ -8683,44 +8766,21 @@
           </a:p>
         </p:txBody>
       </p:sp>
-      <p:sp>
-        <p:nvSpPr>
-          <p:cNvPr id="5" name="Content Placeholder 4">
+      <p:pic>
+        <p:nvPicPr>
+          <p:cNvPr id="1028" name="Picture 4">
             <a:extLst>
               <a:ext uri="{FF2B5EF4-FFF2-40B4-BE49-F238E27FC236}">
-                <a16:creationId xmlns:a16="http://schemas.microsoft.com/office/drawing/2014/main" id="{F2715957-2691-894F-C70D-19A4BC466CA5}"/>
-              </a:ext>
-            </a:extLst>
-          </p:cNvPr>
-          <p:cNvSpPr>
-            <a:spLocks noGrp="1"/>
-          </p:cNvSpPr>
-          <p:nvPr>
-            <p:ph idx="1"/>
-          </p:nvPr>
-        </p:nvSpPr>
-        <p:spPr/>
-        <p:txBody>
-          <a:bodyPr/>
-          <a:lstStyle/>
-          <a:p>
-            <a:endParaRPr lang="en-IN"/>
-          </a:p>
-        </p:txBody>
-      </p:sp>
-      <p:pic>
-        <p:nvPicPr>
-          <p:cNvPr id="1026" name="Picture 2">
-            <a:extLst>
-              <a:ext uri="{FF2B5EF4-FFF2-40B4-BE49-F238E27FC236}">
-                <a16:creationId xmlns:a16="http://schemas.microsoft.com/office/drawing/2014/main" id="{B40E246A-F419-8E74-A501-A3C5CA05F408}"/>
+                <a16:creationId xmlns:a16="http://schemas.microsoft.com/office/drawing/2014/main" id="{1AD3E79F-AD5D-9102-14ED-0DACADB09626}"/>
               </a:ext>
             </a:extLst>
           </p:cNvPr>
           <p:cNvPicPr>
-            <a:picLocks noChangeAspect="1" noChangeArrowheads="1"/>
+            <a:picLocks noGrp="1" noChangeAspect="1" noChangeArrowheads="1"/>
           </p:cNvPicPr>
-          <p:nvPr/>
+          <p:nvPr>
+            <p:ph idx="1"/>
+          </p:nvPr>
         </p:nvPicPr>
         <p:blipFill>
           <a:blip r:embed="rId2">
@@ -8737,8 +8797,8 @@
         </p:blipFill>
         <p:spPr bwMode="auto">
           <a:xfrm>
-            <a:off x="1" y="0"/>
-            <a:ext cx="6888088" cy="6858000"/>
+            <a:off x="30342" y="44624"/>
+            <a:ext cx="6929754" cy="6813376"/>
           </a:xfrm>
           <a:prstGeom prst="rect">
             <a:avLst/>
@@ -8868,10 +8928,10 @@
       </p:sp>
       <p:pic>
         <p:nvPicPr>
-          <p:cNvPr id="2050" name="Picture 2">
+          <p:cNvPr id="3" name="Picture 2">
             <a:extLst>
               <a:ext uri="{FF2B5EF4-FFF2-40B4-BE49-F238E27FC236}">
-                <a16:creationId xmlns:a16="http://schemas.microsoft.com/office/drawing/2014/main" id="{368FDAD9-A43D-69A9-60AF-C1147733115F}"/>
+                <a16:creationId xmlns:a16="http://schemas.microsoft.com/office/drawing/2014/main" id="{EAE15566-7BA9-5BEF-7969-05AC86E6DAA4}"/>
               </a:ext>
             </a:extLst>
           </p:cNvPr>
@@ -8895,8 +8955,8 @@
         </p:blipFill>
         <p:spPr bwMode="auto">
           <a:xfrm>
-            <a:off x="0" y="17766"/>
-            <a:ext cx="7032104" cy="6840234"/>
+            <a:off x="3158" y="0"/>
+            <a:ext cx="7028946" cy="6858000"/>
           </a:xfrm>
           <a:prstGeom prst="rect">
             <a:avLst/>
@@ -10401,7 +10461,7 @@
                 <a:effectLst/>
                 <a:latin typeface="Söhne"/>
               </a:rPr>
-              <a:t>Duplicate Columns</a:t>
+              <a:t>Duplicate rows</a:t>
             </a:r>
             <a:r>
               <a:rPr lang="en-US" dirty="0">
